--- a/Presentation_SDID.pptx
+++ b/Presentation_SDID.pptx
@@ -6041,26 +6041,10 @@
                 <a:solidFill>
                   <a:srgbClr val="0070C0"/>
                 </a:solidFill>
-                <a:hlinkClick r:id="rId2">
-                  <a:extLst>
-                    <a:ext uri="{A12FA001-AC4F-418D-AE19-62706E023703}">
-                      <ahyp:hlinkClr xmlns:ahyp="http://schemas.microsoft.com/office/drawing/2018/hyperlinkcolor" val="tx"/>
-                    </a:ext>
-                  </a:extLst>
-                </a:hlinkClick>
+                <a:hlinkClick r:id="rId2"/>
               </a:rPr>
-              <a:t>https://github.com/rod53/PresentationSDID/main/Presentation_SDID.ipynb</a:t>
-            </a:r>
-            <a:endParaRPr lang="en-US" sz="2000" b="1" dirty="0">
-              <a:solidFill>
-                <a:srgbClr val="0070C0"/>
-              </a:solidFill>
-            </a:endParaRPr>
-          </a:p>
-          <a:p>
-            <a:pPr marL="0" indent="0">
-              <a:buNone/>
-            </a:pPr>
+              <a:t>https://github.com/rod53/PresentationSDID</a:t>
+            </a:r>
             <a:endParaRPr lang="en-US" dirty="0"/>
           </a:p>
         </p:txBody>

--- a/Presentation_SDID.pptx
+++ b/Presentation_SDID.pptx
@@ -14,10 +14,11 @@
     <p:sldId id="324" r:id="rId11"/>
     <p:sldId id="327" r:id="rId12"/>
     <p:sldId id="325" r:id="rId13"/>
-    <p:sldId id="326" r:id="rId14"/>
-    <p:sldId id="318" r:id="rId15"/>
-    <p:sldId id="317" r:id="rId16"/>
-    <p:sldId id="328" r:id="rId17"/>
+    <p:sldId id="329" r:id="rId14"/>
+    <p:sldId id="326" r:id="rId15"/>
+    <p:sldId id="318" r:id="rId16"/>
+    <p:sldId id="317" r:id="rId17"/>
+    <p:sldId id="328" r:id="rId18"/>
   </p:sldIdLst>
   <p:sldSz cx="12192000" cy="6858000"/>
   <p:notesSz cx="6858000" cy="9144000"/>
@@ -122,6 +123,168 @@
     </p:ext>
   </p:extLst>
 </p:presentation>
+</file>
+
+<file path=ppt/ink/ink1.xml><?xml version="1.0" encoding="utf-8"?>
+<inkml:ink xmlns:inkml="http://www.w3.org/2003/InkML">
+  <inkml:definitions>
+    <inkml:context xml:id="ctx0">
+      <inkml:inkSource xml:id="inkSrc0">
+        <inkml:traceFormat>
+          <inkml:channel name="X" type="integer" min="-2.14748E9" max="2.14748E9" units="cm"/>
+          <inkml:channel name="Y" type="integer" min="-2.14748E9" max="2.14748E9" units="cm"/>
+          <inkml:channel name="F" type="integer" max="32767" units="dev"/>
+        </inkml:traceFormat>
+        <inkml:channelProperties>
+          <inkml:channelProperty channel="X" name="resolution" value="1000" units="1/cm"/>
+          <inkml:channelProperty channel="Y" name="resolution" value="1000" units="1/cm"/>
+          <inkml:channelProperty channel="F" name="resolution" value="0" units="1/dev"/>
+        </inkml:channelProperties>
+      </inkml:inkSource>
+      <inkml:timestamp xml:id="ts0" timeString="2022-11-28T19:07:27.052"/>
+    </inkml:context>
+    <inkml:brush xml:id="br0">
+      <inkml:brushProperty name="width" value="0.05" units="cm"/>
+      <inkml:brushProperty name="height" value="0.05" units="cm"/>
+    </inkml:brush>
+  </inkml:definitions>
+  <inkml:trace contextRef="#ctx0" brushRef="#br0">11 8 24575,'-3'-3'0,"-4"-1"0</inkml:trace>
+</inkml:ink>
+</file>
+
+<file path=ppt/ink/ink2.xml><?xml version="1.0" encoding="utf-8"?>
+<inkml:ink xmlns:inkml="http://www.w3.org/2003/InkML">
+  <inkml:definitions>
+    <inkml:context xml:id="ctx0">
+      <inkml:inkSource xml:id="inkSrc0">
+        <inkml:traceFormat>
+          <inkml:channel name="X" type="integer" min="-2.14748E9" max="2.14748E9" units="cm"/>
+          <inkml:channel name="Y" type="integer" min="-2.14748E9" max="2.14748E9" units="cm"/>
+          <inkml:channel name="F" type="integer" max="32767" units="dev"/>
+        </inkml:traceFormat>
+        <inkml:channelProperties>
+          <inkml:channelProperty channel="X" name="resolution" value="1000" units="1/cm"/>
+          <inkml:channelProperty channel="Y" name="resolution" value="1000" units="1/cm"/>
+          <inkml:channelProperty channel="F" name="resolution" value="0" units="1/dev"/>
+        </inkml:channelProperties>
+      </inkml:inkSource>
+      <inkml:timestamp xml:id="ts0" timeString="2022-11-28T19:09:37.973"/>
+    </inkml:context>
+    <inkml:brush xml:id="br0">
+      <inkml:brushProperty name="width" value="0.1" units="cm"/>
+      <inkml:brushProperty name="height" value="0.1" units="cm"/>
+    </inkml:brush>
+  </inkml:definitions>
+  <inkml:trace contextRef="#ctx0" brushRef="#br0">1 1 24575,'2'0'0,"3"0"0</inkml:trace>
+</inkml:ink>
+</file>
+
+<file path=ppt/ink/ink3.xml><?xml version="1.0" encoding="utf-8"?>
+<inkml:ink xmlns:inkml="http://www.w3.org/2003/InkML">
+  <inkml:definitions>
+    <inkml:context xml:id="ctx0">
+      <inkml:inkSource xml:id="inkSrc0">
+        <inkml:traceFormat>
+          <inkml:channel name="X" type="integer" min="-2.14748E9" max="2.14748E9" units="cm"/>
+          <inkml:channel name="Y" type="integer" min="-2.14748E9" max="2.14748E9" units="cm"/>
+          <inkml:channel name="F" type="integer" max="32767" units="dev"/>
+        </inkml:traceFormat>
+        <inkml:channelProperties>
+          <inkml:channelProperty channel="X" name="resolution" value="1000" units="1/cm"/>
+          <inkml:channelProperty channel="Y" name="resolution" value="1000" units="1/cm"/>
+          <inkml:channelProperty channel="F" name="resolution" value="0" units="1/dev"/>
+        </inkml:channelProperties>
+      </inkml:inkSource>
+      <inkml:timestamp xml:id="ts0" timeString="2022-11-28T19:09:43.886"/>
+    </inkml:context>
+    <inkml:brush xml:id="br0">
+      <inkml:brushProperty name="width" value="0.1" units="cm"/>
+      <inkml:brushProperty name="height" value="0.1" units="cm"/>
+    </inkml:brush>
+  </inkml:definitions>
+  <inkml:trace contextRef="#ctx0" brushRef="#br0">14 0 24575,'3'2'0,"-3"1"0,-2 0 0,-4 2 0,-2 2 0</inkml:trace>
+</inkml:ink>
+</file>
+
+<file path=ppt/ink/ink4.xml><?xml version="1.0" encoding="utf-8"?>
+<inkml:ink xmlns:inkml="http://www.w3.org/2003/InkML">
+  <inkml:definitions>
+    <inkml:context xml:id="ctx0">
+      <inkml:inkSource xml:id="inkSrc0">
+        <inkml:traceFormat>
+          <inkml:channel name="X" type="integer" min="-2.14748E9" max="2.14748E9" units="cm"/>
+          <inkml:channel name="Y" type="integer" min="-2.14748E9" max="2.14748E9" units="cm"/>
+          <inkml:channel name="F" type="integer" max="32767" units="dev"/>
+        </inkml:traceFormat>
+        <inkml:channelProperties>
+          <inkml:channelProperty channel="X" name="resolution" value="1000" units="1/cm"/>
+          <inkml:channelProperty channel="Y" name="resolution" value="1000" units="1/cm"/>
+          <inkml:channelProperty channel="F" name="resolution" value="0" units="1/dev"/>
+        </inkml:channelProperties>
+      </inkml:inkSource>
+      <inkml:timestamp xml:id="ts0" timeString="2022-11-28T19:09:52.479"/>
+    </inkml:context>
+    <inkml:brush xml:id="br0">
+      <inkml:brushProperty name="width" value="0.1" units="cm"/>
+      <inkml:brushProperty name="height" value="0.1" units="cm"/>
+    </inkml:brush>
+  </inkml:definitions>
+  <inkml:trace contextRef="#ctx0" brushRef="#br0">1 0 24575,'0'0'-8191</inkml:trace>
+</inkml:ink>
+</file>
+
+<file path=ppt/ink/ink5.xml><?xml version="1.0" encoding="utf-8"?>
+<inkml:ink xmlns:inkml="http://www.w3.org/2003/InkML">
+  <inkml:definitions>
+    <inkml:context xml:id="ctx0">
+      <inkml:inkSource xml:id="inkSrc0">
+        <inkml:traceFormat>
+          <inkml:channel name="X" type="integer" min="-2.14748E9" max="2.14748E9" units="cm"/>
+          <inkml:channel name="Y" type="integer" min="-2.14748E9" max="2.14748E9" units="cm"/>
+          <inkml:channel name="F" type="integer" max="32767" units="dev"/>
+        </inkml:traceFormat>
+        <inkml:channelProperties>
+          <inkml:channelProperty channel="X" name="resolution" value="1000" units="1/cm"/>
+          <inkml:channelProperty channel="Y" name="resolution" value="1000" units="1/cm"/>
+          <inkml:channelProperty channel="F" name="resolution" value="0" units="1/dev"/>
+        </inkml:channelProperties>
+      </inkml:inkSource>
+      <inkml:timestamp xml:id="ts0" timeString="2022-11-28T19:09:54.847"/>
+    </inkml:context>
+    <inkml:brush xml:id="br0">
+      <inkml:brushProperty name="width" value="0.1" units="cm"/>
+      <inkml:brushProperty name="height" value="0.1" units="cm"/>
+    </inkml:brush>
+  </inkml:definitions>
+  <inkml:trace contextRef="#ctx0" brushRef="#br0">1 1 24575,'0'0'-8191</inkml:trace>
+</inkml:ink>
+</file>
+
+<file path=ppt/ink/ink6.xml><?xml version="1.0" encoding="utf-8"?>
+<inkml:ink xmlns:inkml="http://www.w3.org/2003/InkML">
+  <inkml:definitions>
+    <inkml:context xml:id="ctx0">
+      <inkml:inkSource xml:id="inkSrc0">
+        <inkml:traceFormat>
+          <inkml:channel name="X" type="integer" min="-2.14748E9" max="2.14748E9" units="cm"/>
+          <inkml:channel name="Y" type="integer" min="-2.14748E9" max="2.14748E9" units="cm"/>
+          <inkml:channel name="F" type="integer" max="32767" units="dev"/>
+        </inkml:traceFormat>
+        <inkml:channelProperties>
+          <inkml:channelProperty channel="X" name="resolution" value="1000" units="1/cm"/>
+          <inkml:channelProperty channel="Y" name="resolution" value="1000" units="1/cm"/>
+          <inkml:channelProperty channel="F" name="resolution" value="0" units="1/dev"/>
+        </inkml:channelProperties>
+      </inkml:inkSource>
+      <inkml:timestamp xml:id="ts0" timeString="2022-11-28T19:10:14.334"/>
+    </inkml:context>
+    <inkml:brush xml:id="br0">
+      <inkml:brushProperty name="width" value="0.2" units="cm"/>
+      <inkml:brushProperty name="height" value="0.2" units="cm"/>
+    </inkml:brush>
+  </inkml:definitions>
+  <inkml:trace contextRef="#ctx0" brushRef="#br0">0 1 24575,'0'0'-8191</inkml:trace>
+</inkml:ink>
 </file>
 
 <file path=ppt/slideLayouts/slideLayout1.xml><?xml version="1.0" encoding="utf-8"?>
@@ -4293,6 +4456,548 @@
       </p:grpSpPr>
       <p:pic>
         <p:nvPicPr>
+          <p:cNvPr id="2" name="Picture 4" descr="img">
+            <a:extLst>
+              <a:ext uri="{FF2B5EF4-FFF2-40B4-BE49-F238E27FC236}">
+                <a16:creationId xmlns:a16="http://schemas.microsoft.com/office/drawing/2014/main" id="{E1469EA2-4CD7-A95B-840E-096F2CF9E461}"/>
+              </a:ext>
+            </a:extLst>
+          </p:cNvPr>
+          <p:cNvPicPr>
+            <a:picLocks noChangeAspect="1" noChangeArrowheads="1"/>
+          </p:cNvPicPr>
+          <p:nvPr/>
+        </p:nvPicPr>
+        <p:blipFill>
+          <a:blip r:embed="rId2">
+            <a:extLst>
+              <a:ext uri="{28A0092B-C50C-407E-A947-70E740481C1C}">
+                <a14:useLocalDpi xmlns:a14="http://schemas.microsoft.com/office/drawing/2010/main" val="0"/>
+              </a:ext>
+            </a:extLst>
+          </a:blip>
+          <a:srcRect/>
+          <a:stretch>
+            <a:fillRect/>
+          </a:stretch>
+        </p:blipFill>
+        <p:spPr bwMode="auto">
+          <a:xfrm>
+            <a:off x="4077598" y="731451"/>
+            <a:ext cx="2975135" cy="3976202"/>
+          </a:xfrm>
+          <a:prstGeom prst="rect">
+            <a:avLst/>
+          </a:prstGeom>
+          <a:noFill/>
+          <a:extLst>
+            <a:ext uri="{909E8E84-426E-40DD-AFC4-6F175D3DCCD1}">
+              <a14:hiddenFill xmlns:a14="http://schemas.microsoft.com/office/drawing/2010/main">
+                <a:solidFill>
+                  <a:srgbClr val="FFFFFF"/>
+                </a:solidFill>
+              </a14:hiddenFill>
+            </a:ext>
+          </a:extLst>
+        </p:spPr>
+      </p:pic>
+      <p:pic>
+        <p:nvPicPr>
+          <p:cNvPr id="4" name="Picture 3">
+            <a:extLst>
+              <a:ext uri="{FF2B5EF4-FFF2-40B4-BE49-F238E27FC236}">
+                <a16:creationId xmlns:a16="http://schemas.microsoft.com/office/drawing/2014/main" id="{84B00C2F-72B6-D081-8B52-89B3916B1B56}"/>
+              </a:ext>
+            </a:extLst>
+          </p:cNvPr>
+          <p:cNvPicPr>
+            <a:picLocks noChangeAspect="1"/>
+          </p:cNvPicPr>
+          <p:nvPr/>
+        </p:nvPicPr>
+        <p:blipFill>
+          <a:blip r:embed="rId3"/>
+          <a:stretch>
+            <a:fillRect/>
+          </a:stretch>
+        </p:blipFill>
+        <p:spPr>
+          <a:xfrm>
+            <a:off x="4077599" y="4707653"/>
+            <a:ext cx="3034402" cy="1317457"/>
+          </a:xfrm>
+          <a:prstGeom prst="rect">
+            <a:avLst/>
+          </a:prstGeom>
+        </p:spPr>
+      </p:pic>
+      <p:sp>
+        <p:nvSpPr>
+          <p:cNvPr id="5" name="Oval 4">
+            <a:extLst>
+              <a:ext uri="{FF2B5EF4-FFF2-40B4-BE49-F238E27FC236}">
+                <a16:creationId xmlns:a16="http://schemas.microsoft.com/office/drawing/2014/main" id="{BED99B25-E535-98C0-BE6A-437B6D968776}"/>
+              </a:ext>
+            </a:extLst>
+          </p:cNvPr>
+          <p:cNvSpPr/>
+          <p:nvPr/>
+        </p:nvSpPr>
+        <p:spPr>
+          <a:xfrm>
+            <a:off x="6064250" y="5156202"/>
+            <a:ext cx="169333" cy="160866"/>
+          </a:xfrm>
+          <a:prstGeom prst="ellipse">
+            <a:avLst/>
+          </a:prstGeom>
+          <a:solidFill>
+            <a:schemeClr val="bg1"/>
+          </a:solidFill>
+          <a:ln>
+            <a:solidFill>
+              <a:schemeClr val="tx1"/>
+            </a:solidFill>
+          </a:ln>
+        </p:spPr>
+        <p:style>
+          <a:lnRef idx="2">
+            <a:schemeClr val="accent1">
+              <a:shade val="50000"/>
+            </a:schemeClr>
+          </a:lnRef>
+          <a:fillRef idx="1">
+            <a:schemeClr val="accent1"/>
+          </a:fillRef>
+          <a:effectRef idx="0">
+            <a:schemeClr val="accent1"/>
+          </a:effectRef>
+          <a:fontRef idx="minor">
+            <a:schemeClr val="lt1"/>
+          </a:fontRef>
+        </p:style>
+        <p:txBody>
+          <a:bodyPr rtlCol="0" anchor="ctr"/>
+          <a:lstStyle/>
+          <a:p>
+            <a:pPr algn="ctr"/>
+            <a:endParaRPr lang="en-US"/>
+          </a:p>
+        </p:txBody>
+      </p:sp>
+      <p:sp>
+        <p:nvSpPr>
+          <p:cNvPr id="6" name="Oval 5">
+            <a:extLst>
+              <a:ext uri="{FF2B5EF4-FFF2-40B4-BE49-F238E27FC236}">
+                <a16:creationId xmlns:a16="http://schemas.microsoft.com/office/drawing/2014/main" id="{A9CA1161-19BE-29D1-8B97-07AE9FE5816E}"/>
+              </a:ext>
+            </a:extLst>
+          </p:cNvPr>
+          <p:cNvSpPr/>
+          <p:nvPr/>
+        </p:nvSpPr>
+        <p:spPr>
+          <a:xfrm>
+            <a:off x="5848351" y="5205515"/>
+            <a:ext cx="117424" cy="111553"/>
+          </a:xfrm>
+          <a:prstGeom prst="ellipse">
+            <a:avLst/>
+          </a:prstGeom>
+          <a:solidFill>
+            <a:schemeClr val="bg1"/>
+          </a:solidFill>
+          <a:ln>
+            <a:solidFill>
+              <a:schemeClr val="tx1"/>
+            </a:solidFill>
+          </a:ln>
+        </p:spPr>
+        <p:style>
+          <a:lnRef idx="2">
+            <a:schemeClr val="accent1">
+              <a:shade val="50000"/>
+            </a:schemeClr>
+          </a:lnRef>
+          <a:fillRef idx="1">
+            <a:schemeClr val="accent1"/>
+          </a:fillRef>
+          <a:effectRef idx="0">
+            <a:schemeClr val="accent1"/>
+          </a:effectRef>
+          <a:fontRef idx="minor">
+            <a:schemeClr val="lt1"/>
+          </a:fontRef>
+        </p:style>
+        <p:txBody>
+          <a:bodyPr rtlCol="0" anchor="ctr"/>
+          <a:lstStyle/>
+          <a:p>
+            <a:pPr algn="ctr"/>
+            <a:endParaRPr lang="en-US"/>
+          </a:p>
+        </p:txBody>
+      </p:sp>
+      <mc:AlternateContent xmlns:mc="http://schemas.openxmlformats.org/markup-compatibility/2006">
+        <mc:Choice xmlns:p14="http://schemas.microsoft.com/office/powerpoint/2010/main" Requires="p14">
+          <p:contentPart p14:bwMode="auto" r:id="rId4">
+            <p14:nvContentPartPr>
+              <p14:cNvPr id="10" name="Ink 9">
+                <a:extLst>
+                  <a:ext uri="{FF2B5EF4-FFF2-40B4-BE49-F238E27FC236}">
+                    <a16:creationId xmlns:a16="http://schemas.microsoft.com/office/drawing/2014/main" id="{30F562B8-A632-1013-9BC0-9D378588B0CE}"/>
+                  </a:ext>
+                </a:extLst>
+              </p14:cNvPr>
+              <p14:cNvContentPartPr/>
+              <p14:nvPr/>
+            </p14:nvContentPartPr>
+            <p14:xfrm>
+              <a:off x="5901610" y="5248660"/>
+              <a:ext cx="3960" cy="2880"/>
+            </p14:xfrm>
+          </p:contentPart>
+        </mc:Choice>
+        <mc:Fallback>
+          <p:pic>
+            <p:nvPicPr>
+              <p:cNvPr id="10" name="Ink 9">
+                <a:extLst>
+                  <a:ext uri="{FF2B5EF4-FFF2-40B4-BE49-F238E27FC236}">
+                    <a16:creationId xmlns:a16="http://schemas.microsoft.com/office/drawing/2014/main" id="{30F562B8-A632-1013-9BC0-9D378588B0CE}"/>
+                  </a:ext>
+                </a:extLst>
+              </p:cNvPr>
+              <p:cNvPicPr/>
+              <p:nvPr/>
+            </p:nvPicPr>
+            <p:blipFill>
+              <a:blip r:embed="rId5"/>
+              <a:stretch>
+                <a:fillRect/>
+              </a:stretch>
+            </p:blipFill>
+            <p:spPr>
+              <a:xfrm>
+                <a:off x="5892970" y="5240020"/>
+                <a:ext cx="21600" cy="20520"/>
+              </a:xfrm>
+              <a:prstGeom prst="rect">
+                <a:avLst/>
+              </a:prstGeom>
+            </p:spPr>
+          </p:pic>
+        </mc:Fallback>
+      </mc:AlternateContent>
+      <mc:AlternateContent xmlns:mc="http://schemas.openxmlformats.org/markup-compatibility/2006">
+        <mc:Choice xmlns:p14="http://schemas.microsoft.com/office/powerpoint/2010/main" Requires="p14">
+          <p:contentPart p14:bwMode="auto" r:id="rId6">
+            <p14:nvContentPartPr>
+              <p14:cNvPr id="16" name="Ink 15">
+                <a:extLst>
+                  <a:ext uri="{FF2B5EF4-FFF2-40B4-BE49-F238E27FC236}">
+                    <a16:creationId xmlns:a16="http://schemas.microsoft.com/office/drawing/2014/main" id="{0343504E-5949-C8A6-E06E-3FF7CF30E830}"/>
+                  </a:ext>
+                </a:extLst>
+              </p14:cNvPr>
+              <p14:cNvContentPartPr/>
+              <p14:nvPr/>
+            </p14:nvContentPartPr>
+            <p14:xfrm>
+              <a:off x="6143295" y="5233658"/>
+              <a:ext cx="3240" cy="360"/>
+            </p14:xfrm>
+          </p:contentPart>
+        </mc:Choice>
+        <mc:Fallback>
+          <p:pic>
+            <p:nvPicPr>
+              <p:cNvPr id="16" name="Ink 15">
+                <a:extLst>
+                  <a:ext uri="{FF2B5EF4-FFF2-40B4-BE49-F238E27FC236}">
+                    <a16:creationId xmlns:a16="http://schemas.microsoft.com/office/drawing/2014/main" id="{0343504E-5949-C8A6-E06E-3FF7CF30E830}"/>
+                  </a:ext>
+                </a:extLst>
+              </p:cNvPr>
+              <p:cNvPicPr/>
+              <p:nvPr/>
+            </p:nvPicPr>
+            <p:blipFill>
+              <a:blip r:embed="rId7"/>
+              <a:stretch>
+                <a:fillRect/>
+              </a:stretch>
+            </p:blipFill>
+            <p:spPr>
+              <a:xfrm>
+                <a:off x="6125655" y="5216018"/>
+                <a:ext cx="38880" cy="36000"/>
+              </a:xfrm>
+              <a:prstGeom prst="rect">
+                <a:avLst/>
+              </a:prstGeom>
+            </p:spPr>
+          </p:pic>
+        </mc:Fallback>
+      </mc:AlternateContent>
+      <mc:AlternateContent xmlns:mc="http://schemas.openxmlformats.org/markup-compatibility/2006">
+        <mc:Choice xmlns:p14="http://schemas.microsoft.com/office/powerpoint/2010/main" Requires="p14">
+          <p:contentPart p14:bwMode="auto" r:id="rId8">
+            <p14:nvContentPartPr>
+              <p14:cNvPr id="17" name="Ink 16">
+                <a:extLst>
+                  <a:ext uri="{FF2B5EF4-FFF2-40B4-BE49-F238E27FC236}">
+                    <a16:creationId xmlns:a16="http://schemas.microsoft.com/office/drawing/2014/main" id="{7FC899AE-1FBD-F35B-B5F1-6B8735C4FCFF}"/>
+                  </a:ext>
+                </a:extLst>
+              </p14:cNvPr>
+              <p14:cNvContentPartPr/>
+              <p14:nvPr/>
+            </p14:nvContentPartPr>
+            <p14:xfrm>
+              <a:off x="5900295" y="5257778"/>
+              <a:ext cx="6480" cy="7200"/>
+            </p14:xfrm>
+          </p:contentPart>
+        </mc:Choice>
+        <mc:Fallback>
+          <p:pic>
+            <p:nvPicPr>
+              <p:cNvPr id="17" name="Ink 16">
+                <a:extLst>
+                  <a:ext uri="{FF2B5EF4-FFF2-40B4-BE49-F238E27FC236}">
+                    <a16:creationId xmlns:a16="http://schemas.microsoft.com/office/drawing/2014/main" id="{7FC899AE-1FBD-F35B-B5F1-6B8735C4FCFF}"/>
+                  </a:ext>
+                </a:extLst>
+              </p:cNvPr>
+              <p:cNvPicPr/>
+              <p:nvPr/>
+            </p:nvPicPr>
+            <p:blipFill>
+              <a:blip r:embed="rId9"/>
+              <a:stretch>
+                <a:fillRect/>
+              </a:stretch>
+            </p:blipFill>
+            <p:spPr>
+              <a:xfrm>
+                <a:off x="5882655" y="5239778"/>
+                <a:ext cx="42120" cy="42840"/>
+              </a:xfrm>
+              <a:prstGeom prst="rect">
+                <a:avLst/>
+              </a:prstGeom>
+            </p:spPr>
+          </p:pic>
+        </mc:Fallback>
+      </mc:AlternateContent>
+      <p:grpSp>
+        <p:nvGrpSpPr>
+          <p:cNvPr id="27" name="Group 26">
+            <a:extLst>
+              <a:ext uri="{FF2B5EF4-FFF2-40B4-BE49-F238E27FC236}">
+                <a16:creationId xmlns:a16="http://schemas.microsoft.com/office/drawing/2014/main" id="{14BD6A6D-DD86-1F2B-4B19-4458107D108F}"/>
+              </a:ext>
+            </a:extLst>
+          </p:cNvPr>
+          <p:cNvGrpSpPr/>
+          <p:nvPr/>
+        </p:nvGrpSpPr>
+        <p:grpSpPr>
+          <a:xfrm>
+            <a:off x="6138615" y="5228978"/>
+            <a:ext cx="19440" cy="19440"/>
+            <a:chOff x="6138615" y="5228978"/>
+            <a:chExt cx="19440" cy="19440"/>
+          </a:xfrm>
+        </p:grpSpPr>
+        <mc:AlternateContent xmlns:mc="http://schemas.openxmlformats.org/markup-compatibility/2006">
+          <mc:Choice xmlns:p14="http://schemas.microsoft.com/office/powerpoint/2010/main" Requires="p14">
+            <p:contentPart p14:bwMode="auto" r:id="rId10">
+              <p14:nvContentPartPr>
+                <p14:cNvPr id="19" name="Ink 18">
+                  <a:extLst>
+                    <a:ext uri="{FF2B5EF4-FFF2-40B4-BE49-F238E27FC236}">
+                      <a16:creationId xmlns:a16="http://schemas.microsoft.com/office/drawing/2014/main" id="{CD753B65-3DFA-B4B9-763A-D46174B54692}"/>
+                    </a:ext>
+                  </a:extLst>
+                </p14:cNvPr>
+                <p14:cNvContentPartPr/>
+                <p14:nvPr/>
+              </p14:nvContentPartPr>
+              <p14:xfrm>
+                <a:off x="6138615" y="5243378"/>
+                <a:ext cx="360" cy="360"/>
+              </p14:xfrm>
+            </p:contentPart>
+          </mc:Choice>
+          <mc:Fallback>
+            <p:pic>
+              <p:nvPicPr>
+                <p:cNvPr id="19" name="Ink 18">
+                  <a:extLst>
+                    <a:ext uri="{FF2B5EF4-FFF2-40B4-BE49-F238E27FC236}">
+                      <a16:creationId xmlns:a16="http://schemas.microsoft.com/office/drawing/2014/main" id="{CD753B65-3DFA-B4B9-763A-D46174B54692}"/>
+                    </a:ext>
+                  </a:extLst>
+                </p:cNvPr>
+                <p:cNvPicPr/>
+                <p:nvPr/>
+              </p:nvPicPr>
+              <p:blipFill>
+                <a:blip r:embed="rId11"/>
+                <a:stretch>
+                  <a:fillRect/>
+                </a:stretch>
+              </p:blipFill>
+              <p:spPr>
+                <a:xfrm>
+                  <a:off x="6120975" y="5225378"/>
+                  <a:ext cx="36000" cy="36000"/>
+                </a:xfrm>
+                <a:prstGeom prst="rect">
+                  <a:avLst/>
+                </a:prstGeom>
+              </p:spPr>
+            </p:pic>
+          </mc:Fallback>
+        </mc:AlternateContent>
+        <mc:AlternateContent xmlns:mc="http://schemas.openxmlformats.org/markup-compatibility/2006">
+          <mc:Choice xmlns:p14="http://schemas.microsoft.com/office/powerpoint/2010/main" Requires="p14">
+            <p:contentPart p14:bwMode="auto" r:id="rId12">
+              <p14:nvContentPartPr>
+                <p14:cNvPr id="20" name="Ink 19">
+                  <a:extLst>
+                    <a:ext uri="{FF2B5EF4-FFF2-40B4-BE49-F238E27FC236}">
+                      <a16:creationId xmlns:a16="http://schemas.microsoft.com/office/drawing/2014/main" id="{E65A20DD-BB03-A1B0-49AC-2EC79E0B4D4F}"/>
+                    </a:ext>
+                  </a:extLst>
+                </p14:cNvPr>
+                <p14:cNvContentPartPr/>
+                <p14:nvPr/>
+              </p14:nvContentPartPr>
+              <p14:xfrm>
+                <a:off x="6157695" y="5248058"/>
+                <a:ext cx="360" cy="360"/>
+              </p14:xfrm>
+            </p:contentPart>
+          </mc:Choice>
+          <mc:Fallback>
+            <p:pic>
+              <p:nvPicPr>
+                <p:cNvPr id="20" name="Ink 19">
+                  <a:extLst>
+                    <a:ext uri="{FF2B5EF4-FFF2-40B4-BE49-F238E27FC236}">
+                      <a16:creationId xmlns:a16="http://schemas.microsoft.com/office/drawing/2014/main" id="{E65A20DD-BB03-A1B0-49AC-2EC79E0B4D4F}"/>
+                    </a:ext>
+                  </a:extLst>
+                </p:cNvPr>
+                <p:cNvPicPr/>
+                <p:nvPr/>
+              </p:nvPicPr>
+              <p:blipFill>
+                <a:blip r:embed="rId11"/>
+                <a:stretch>
+                  <a:fillRect/>
+                </a:stretch>
+              </p:blipFill>
+              <p:spPr>
+                <a:xfrm>
+                  <a:off x="6140055" y="5230418"/>
+                  <a:ext cx="36000" cy="36000"/>
+                </a:xfrm>
+                <a:prstGeom prst="rect">
+                  <a:avLst/>
+                </a:prstGeom>
+              </p:spPr>
+            </p:pic>
+          </mc:Fallback>
+        </mc:AlternateContent>
+        <mc:AlternateContent xmlns:mc="http://schemas.openxmlformats.org/markup-compatibility/2006">
+          <mc:Choice xmlns:p14="http://schemas.microsoft.com/office/powerpoint/2010/main" Requires="p14">
+            <p:contentPart p14:bwMode="auto" r:id="rId13">
+              <p14:nvContentPartPr>
+                <p14:cNvPr id="26" name="Ink 25">
+                  <a:extLst>
+                    <a:ext uri="{FF2B5EF4-FFF2-40B4-BE49-F238E27FC236}">
+                      <a16:creationId xmlns:a16="http://schemas.microsoft.com/office/drawing/2014/main" id="{D3741466-C5EE-5EC4-0FBC-AFE24099F57F}"/>
+                    </a:ext>
+                  </a:extLst>
+                </p14:cNvPr>
+                <p14:cNvContentPartPr/>
+                <p14:nvPr/>
+              </p14:nvContentPartPr>
+              <p14:xfrm>
+                <a:off x="6148335" y="5228978"/>
+                <a:ext cx="360" cy="360"/>
+              </p14:xfrm>
+            </p:contentPart>
+          </mc:Choice>
+          <mc:Fallback>
+            <p:pic>
+              <p:nvPicPr>
+                <p:cNvPr id="26" name="Ink 25">
+                  <a:extLst>
+                    <a:ext uri="{FF2B5EF4-FFF2-40B4-BE49-F238E27FC236}">
+                      <a16:creationId xmlns:a16="http://schemas.microsoft.com/office/drawing/2014/main" id="{D3741466-C5EE-5EC4-0FBC-AFE24099F57F}"/>
+                    </a:ext>
+                  </a:extLst>
+                </p:cNvPr>
+                <p:cNvPicPr/>
+                <p:nvPr/>
+              </p:nvPicPr>
+              <p:blipFill>
+                <a:blip r:embed="rId14"/>
+                <a:stretch>
+                  <a:fillRect/>
+                </a:stretch>
+              </p:blipFill>
+              <p:spPr>
+                <a:xfrm>
+                  <a:off x="6112335" y="5193338"/>
+                  <a:ext cx="72000" cy="72000"/>
+                </a:xfrm>
+                <a:prstGeom prst="rect">
+                  <a:avLst/>
+                </a:prstGeom>
+              </p:spPr>
+            </p:pic>
+          </mc:Fallback>
+        </mc:AlternateContent>
+      </p:grpSp>
+    </p:spTree>
+    <p:extLst>
+      <p:ext uri="{BB962C8B-B14F-4D97-AF65-F5344CB8AC3E}">
+        <p14:creationId xmlns:p14="http://schemas.microsoft.com/office/powerpoint/2010/main" val="3373899706"/>
+      </p:ext>
+    </p:extLst>
+  </p:cSld>
+  <p:clrMapOvr>
+    <a:masterClrMapping/>
+  </p:clrMapOvr>
+</p:sld>
+</file>
+
+<file path=ppt/slides/slide11.xml><?xml version="1.0" encoding="utf-8"?>
+<p:sld xmlns:a="http://schemas.openxmlformats.org/drawingml/2006/main" xmlns:r="http://schemas.openxmlformats.org/officeDocument/2006/relationships" xmlns:p="http://schemas.openxmlformats.org/presentationml/2006/main">
+  <p:cSld>
+    <p:spTree>
+      <p:nvGrpSpPr>
+        <p:cNvPr id="1" name=""/>
+        <p:cNvGrpSpPr/>
+        <p:nvPr/>
+      </p:nvGrpSpPr>
+      <p:grpSpPr>
+        <a:xfrm>
+          <a:off x="0" y="0"/>
+          <a:ext cx="0" cy="0"/>
+          <a:chOff x="0" y="0"/>
+          <a:chExt cx="0" cy="0"/>
+        </a:xfrm>
+      </p:grpSpPr>
+      <p:pic>
+        <p:nvPicPr>
           <p:cNvPr id="13" name="Picture 12">
             <a:extLst>
               <a:ext uri="{FF2B5EF4-FFF2-40B4-BE49-F238E27FC236}">
@@ -5434,7 +6139,7 @@
 </p:sld>
 </file>
 
-<file path=ppt/slides/slide11.xml><?xml version="1.0" encoding="utf-8"?>
+<file path=ppt/slides/slide12.xml><?xml version="1.0" encoding="utf-8"?>
 <p:sld xmlns:a="http://schemas.openxmlformats.org/drawingml/2006/main" xmlns:r="http://schemas.openxmlformats.org/officeDocument/2006/relationships" xmlns:p="http://schemas.openxmlformats.org/presentationml/2006/main">
   <p:cSld>
     <p:spTree>
@@ -5757,7 +6462,7 @@
 </p:sld>
 </file>
 
-<file path=ppt/slides/slide12.xml><?xml version="1.0" encoding="utf-8"?>
+<file path=ppt/slides/slide13.xml><?xml version="1.0" encoding="utf-8"?>
 <p:sld xmlns:a="http://schemas.openxmlformats.org/drawingml/2006/main" xmlns:r="http://schemas.openxmlformats.org/officeDocument/2006/relationships" xmlns:p="http://schemas.openxmlformats.org/presentationml/2006/main">
   <p:cSld>
     <p:spTree>
@@ -5959,7 +6664,7 @@
 </p:sld>
 </file>
 
-<file path=ppt/slides/slide13.xml><?xml version="1.0" encoding="utf-8"?>
+<file path=ppt/slides/slide14.xml><?xml version="1.0" encoding="utf-8"?>
 <p:sld xmlns:a="http://schemas.openxmlformats.org/drawingml/2006/main" xmlns:r="http://schemas.openxmlformats.org/officeDocument/2006/relationships" xmlns:p="http://schemas.openxmlformats.org/presentationml/2006/main">
   <p:cSld>
     <p:spTree>
